--- a/powerpoint/slides_soutenance.pptx
+++ b/powerpoint/slides_soutenance.pptx
@@ -10,7 +10,7 @@
     <p:sldId id="258" r:id="rId4"/>
     <p:sldId id="259" r:id="rId5"/>
     <p:sldId id="260" r:id="rId6"/>
-    <p:sldId id="261" r:id="rId7"/>
+    <p:sldId id="269" r:id="rId7"/>
     <p:sldId id="263" r:id="rId8"/>
     <p:sldId id="264" r:id="rId9"/>
     <p:sldId id="265" r:id="rId10"/>
@@ -269,7 +269,7 @@
           <a:p>
             <a:fld id="{1322AAB1-0FAC-4415-8E27-5F892221FAE5}" type="datetimeFigureOut">
               <a:rPr lang="fr-FR" smtClean="0"/>
-              <a:t>21/07/2025</a:t>
+              <a:t>22/07/2025</a:t>
             </a:fld>
             <a:endParaRPr lang="fr-FR"/>
           </a:p>
@@ -467,7 +467,7 @@
           <a:p>
             <a:fld id="{1322AAB1-0FAC-4415-8E27-5F892221FAE5}" type="datetimeFigureOut">
               <a:rPr lang="fr-FR" smtClean="0"/>
-              <a:t>21/07/2025</a:t>
+              <a:t>22/07/2025</a:t>
             </a:fld>
             <a:endParaRPr lang="fr-FR"/>
           </a:p>
@@ -675,7 +675,7 @@
           <a:p>
             <a:fld id="{1322AAB1-0FAC-4415-8E27-5F892221FAE5}" type="datetimeFigureOut">
               <a:rPr lang="fr-FR" smtClean="0"/>
-              <a:t>21/07/2025</a:t>
+              <a:t>22/07/2025</a:t>
             </a:fld>
             <a:endParaRPr lang="fr-FR"/>
           </a:p>
@@ -873,7 +873,7 @@
           <a:p>
             <a:fld id="{1322AAB1-0FAC-4415-8E27-5F892221FAE5}" type="datetimeFigureOut">
               <a:rPr lang="fr-FR" smtClean="0"/>
-              <a:t>21/07/2025</a:t>
+              <a:t>22/07/2025</a:t>
             </a:fld>
             <a:endParaRPr lang="fr-FR"/>
           </a:p>
@@ -1148,7 +1148,7 @@
           <a:p>
             <a:fld id="{1322AAB1-0FAC-4415-8E27-5F892221FAE5}" type="datetimeFigureOut">
               <a:rPr lang="fr-FR" smtClean="0"/>
-              <a:t>21/07/2025</a:t>
+              <a:t>22/07/2025</a:t>
             </a:fld>
             <a:endParaRPr lang="fr-FR"/>
           </a:p>
@@ -1413,7 +1413,7 @@
           <a:p>
             <a:fld id="{1322AAB1-0FAC-4415-8E27-5F892221FAE5}" type="datetimeFigureOut">
               <a:rPr lang="fr-FR" smtClean="0"/>
-              <a:t>21/07/2025</a:t>
+              <a:t>22/07/2025</a:t>
             </a:fld>
             <a:endParaRPr lang="fr-FR"/>
           </a:p>
@@ -1825,7 +1825,7 @@
           <a:p>
             <a:fld id="{1322AAB1-0FAC-4415-8E27-5F892221FAE5}" type="datetimeFigureOut">
               <a:rPr lang="fr-FR" smtClean="0"/>
-              <a:t>21/07/2025</a:t>
+              <a:t>22/07/2025</a:t>
             </a:fld>
             <a:endParaRPr lang="fr-FR"/>
           </a:p>
@@ -1966,7 +1966,7 @@
           <a:p>
             <a:fld id="{1322AAB1-0FAC-4415-8E27-5F892221FAE5}" type="datetimeFigureOut">
               <a:rPr lang="fr-FR" smtClean="0"/>
-              <a:t>21/07/2025</a:t>
+              <a:t>22/07/2025</a:t>
             </a:fld>
             <a:endParaRPr lang="fr-FR"/>
           </a:p>
@@ -2079,7 +2079,7 @@
           <a:p>
             <a:fld id="{1322AAB1-0FAC-4415-8E27-5F892221FAE5}" type="datetimeFigureOut">
               <a:rPr lang="fr-FR" smtClean="0"/>
-              <a:t>21/07/2025</a:t>
+              <a:t>22/07/2025</a:t>
             </a:fld>
             <a:endParaRPr lang="fr-FR"/>
           </a:p>
@@ -2390,7 +2390,7 @@
           <a:p>
             <a:fld id="{1322AAB1-0FAC-4415-8E27-5F892221FAE5}" type="datetimeFigureOut">
               <a:rPr lang="fr-FR" smtClean="0"/>
-              <a:t>21/07/2025</a:t>
+              <a:t>22/07/2025</a:t>
             </a:fld>
             <a:endParaRPr lang="fr-FR"/>
           </a:p>
@@ -2678,7 +2678,7 @@
           <a:p>
             <a:fld id="{1322AAB1-0FAC-4415-8E27-5F892221FAE5}" type="datetimeFigureOut">
               <a:rPr lang="fr-FR" smtClean="0"/>
-              <a:t>21/07/2025</a:t>
+              <a:t>22/07/2025</a:t>
             </a:fld>
             <a:endParaRPr lang="fr-FR"/>
           </a:p>
@@ -2922,7 +2922,7 @@
           <a:p>
             <a:fld id="{1322AAB1-0FAC-4415-8E27-5F892221FAE5}" type="datetimeFigureOut">
               <a:rPr lang="fr-FR" smtClean="0"/>
-              <a:t>21/07/2025</a:t>
+              <a:t>22/07/2025</a:t>
             </a:fld>
             <a:endParaRPr lang="fr-FR"/>
           </a:p>
@@ -3518,47 +3518,212 @@
             <a:pPr algn="l"/>
             <a:r>
               <a:rPr lang="fr-FR" sz="3600" b="1" u="sng"/>
-              <a:t>5D. Demo Monitoring (Prometheus/Grafana)</a:t>
+              <a:t>8. Monitoring avec Prometheus/Grafana (démo)</a:t>
             </a:r>
             <a:endParaRPr lang="fr-FR" sz="3600" b="1" u="sng" dirty="0"/>
           </a:p>
         </p:txBody>
       </p:sp>
-      <p:sp>
-        <p:nvSpPr>
-          <p:cNvPr id="7" name="Sous-titre 4">
-            <a:extLst>
-              <a:ext uri="{FF2B5EF4-FFF2-40B4-BE49-F238E27FC236}">
-                <a16:creationId xmlns:a16="http://schemas.microsoft.com/office/drawing/2014/main" id="{2576C1B8-DD12-2CC1-BB08-5563250763C5}"/>
-              </a:ext>
-            </a:extLst>
-          </p:cNvPr>
-          <p:cNvSpPr>
-            <a:spLocks noGrp="1"/>
-          </p:cNvSpPr>
-          <p:nvPr>
-            <p:ph type="subTitle" idx="1"/>
-          </p:nvPr>
-        </p:nvSpPr>
+      <p:pic>
+        <p:nvPicPr>
+          <p:cNvPr id="6" name="Image 5">
+            <a:extLst>
+              <a:ext uri="{FF2B5EF4-FFF2-40B4-BE49-F238E27FC236}">
+                <a16:creationId xmlns:a16="http://schemas.microsoft.com/office/drawing/2014/main" id="{08C4E178-DEBD-0CCE-4E8A-52AC2C44246C}"/>
+              </a:ext>
+            </a:extLst>
+          </p:cNvPr>
+          <p:cNvPicPr>
+            <a:picLocks noChangeAspect="1"/>
+          </p:cNvPicPr>
+          <p:nvPr/>
+        </p:nvPicPr>
+        <p:blipFill>
+          <a:blip r:embed="rId2"/>
+          <a:stretch>
+            <a:fillRect/>
+          </a:stretch>
+        </p:blipFill>
         <p:spPr>
           <a:xfrm>
-            <a:off x="599110" y="1113311"/>
-            <a:ext cx="9906000" cy="4023360"/>
+            <a:off x="360423" y="1005840"/>
+            <a:ext cx="11494809" cy="5636817"/>
           </a:xfrm>
+          <a:prstGeom prst="rect">
+            <a:avLst/>
+          </a:prstGeom>
+          <a:ln>
+            <a:solidFill>
+              <a:schemeClr val="tx1"/>
+            </a:solidFill>
+          </a:ln>
         </p:spPr>
-        <p:txBody>
-          <a:bodyPr/>
+      </p:pic>
+      <p:sp>
+        <p:nvSpPr>
+          <p:cNvPr id="11" name="Rectangle 10">
+            <a:extLst>
+              <a:ext uri="{FF2B5EF4-FFF2-40B4-BE49-F238E27FC236}">
+                <a16:creationId xmlns:a16="http://schemas.microsoft.com/office/drawing/2014/main" id="{9C427517-973B-D263-5688-96D35DC3F33A}"/>
+              </a:ext>
+            </a:extLst>
+          </p:cNvPr>
+          <p:cNvSpPr/>
+          <p:nvPr/>
+        </p:nvSpPr>
+        <p:spPr>
+          <a:xfrm>
+            <a:off x="1741447" y="1005839"/>
+            <a:ext cx="2647674" cy="3450657"/>
+          </a:xfrm>
+          <a:prstGeom prst="rect">
+            <a:avLst/>
+          </a:prstGeom>
+          <a:blipFill dpi="0" rotWithShape="1">
+            <a:blip r:embed="rId3">
+              <a:alphaModFix amt="40000"/>
+            </a:blip>
+            <a:srcRect/>
+            <a:tile tx="0" ty="0" sx="100000" sy="100000" flip="none" algn="tl"/>
+          </a:blipFill>
+          <a:ln>
+            <a:noFill/>
+          </a:ln>
+        </p:spPr>
+        <p:style>
+          <a:lnRef idx="2">
+            <a:schemeClr val="accent1">
+              <a:shade val="15000"/>
+            </a:schemeClr>
+          </a:lnRef>
+          <a:fillRef idx="1">
+            <a:schemeClr val="accent1"/>
+          </a:fillRef>
+          <a:effectRef idx="0">
+            <a:schemeClr val="accent1"/>
+          </a:effectRef>
+          <a:fontRef idx="minor">
+            <a:schemeClr val="lt1"/>
+          </a:fontRef>
+        </p:style>
+        <p:txBody>
+          <a:bodyPr rtlCol="0" anchor="ctr"/>
           <a:lstStyle/>
           <a:p>
-            <a:pPr marL="342900" indent="-342900" algn="l">
-              <a:buFontTx/>
-              <a:buChar char="-"/>
-            </a:pPr>
-            <a:r>
-              <a:rPr lang="en-US"/>
-              <a:t>Demo live</a:t>
-            </a:r>
-            <a:endParaRPr lang="fr-FR" sz="2400" dirty="0"/>
+            <a:pPr algn="ctr"/>
+            <a:endParaRPr lang="fr-FR"/>
+          </a:p>
+        </p:txBody>
+      </p:sp>
+      <p:sp>
+        <p:nvSpPr>
+          <p:cNvPr id="12" name="Rectangle 11">
+            <a:extLst>
+              <a:ext uri="{FF2B5EF4-FFF2-40B4-BE49-F238E27FC236}">
+                <a16:creationId xmlns:a16="http://schemas.microsoft.com/office/drawing/2014/main" id="{5C7CDF53-1439-E4D0-B335-CC7D0172EC4F}"/>
+              </a:ext>
+            </a:extLst>
+          </p:cNvPr>
+          <p:cNvSpPr/>
+          <p:nvPr/>
+        </p:nvSpPr>
+        <p:spPr>
+          <a:xfrm>
+            <a:off x="4389120" y="1005839"/>
+            <a:ext cx="4543123" cy="5636817"/>
+          </a:xfrm>
+          <a:prstGeom prst="rect">
+            <a:avLst/>
+          </a:prstGeom>
+          <a:blipFill dpi="0" rotWithShape="1">
+            <a:blip r:embed="rId3">
+              <a:alphaModFix amt="40000"/>
+            </a:blip>
+            <a:srcRect/>
+            <a:tile tx="0" ty="0" sx="100000" sy="100000" flip="none" algn="tl"/>
+          </a:blipFill>
+          <a:ln>
+            <a:noFill/>
+          </a:ln>
+        </p:spPr>
+        <p:style>
+          <a:lnRef idx="2">
+            <a:schemeClr val="accent1">
+              <a:shade val="15000"/>
+            </a:schemeClr>
+          </a:lnRef>
+          <a:fillRef idx="1">
+            <a:schemeClr val="accent1"/>
+          </a:fillRef>
+          <a:effectRef idx="0">
+            <a:schemeClr val="accent1"/>
+          </a:effectRef>
+          <a:fontRef idx="minor">
+            <a:schemeClr val="lt1"/>
+          </a:fontRef>
+        </p:style>
+        <p:txBody>
+          <a:bodyPr rtlCol="0" anchor="ctr"/>
+          <a:lstStyle/>
+          <a:p>
+            <a:pPr algn="ctr"/>
+            <a:endParaRPr lang="fr-FR"/>
+          </a:p>
+        </p:txBody>
+      </p:sp>
+      <p:sp>
+        <p:nvSpPr>
+          <p:cNvPr id="13" name="Rectangle 12">
+            <a:extLst>
+              <a:ext uri="{FF2B5EF4-FFF2-40B4-BE49-F238E27FC236}">
+                <a16:creationId xmlns:a16="http://schemas.microsoft.com/office/drawing/2014/main" id="{DDDEA8AB-8A8A-7BD1-5E90-AC3CB6A169CA}"/>
+              </a:ext>
+            </a:extLst>
+          </p:cNvPr>
+          <p:cNvSpPr/>
+          <p:nvPr/>
+        </p:nvSpPr>
+        <p:spPr>
+          <a:xfrm>
+            <a:off x="8932243" y="2685448"/>
+            <a:ext cx="2922989" cy="3957208"/>
+          </a:xfrm>
+          <a:prstGeom prst="rect">
+            <a:avLst/>
+          </a:prstGeom>
+          <a:blipFill dpi="0" rotWithShape="1">
+            <a:blip r:embed="rId3">
+              <a:alphaModFix amt="40000"/>
+            </a:blip>
+            <a:srcRect/>
+            <a:tile tx="0" ty="0" sx="100000" sy="100000" flip="none" algn="tl"/>
+          </a:blipFill>
+          <a:ln>
+            <a:noFill/>
+          </a:ln>
+        </p:spPr>
+        <p:style>
+          <a:lnRef idx="2">
+            <a:schemeClr val="accent1">
+              <a:shade val="15000"/>
+            </a:schemeClr>
+          </a:lnRef>
+          <a:fillRef idx="1">
+            <a:schemeClr val="accent1"/>
+          </a:fillRef>
+          <a:effectRef idx="0">
+            <a:schemeClr val="accent1"/>
+          </a:effectRef>
+          <a:fontRef idx="minor">
+            <a:schemeClr val="lt1"/>
+          </a:fontRef>
+        </p:style>
+        <p:txBody>
+          <a:bodyPr rtlCol="0" anchor="ctr"/>
+          <a:lstStyle/>
+          <a:p>
+            <a:pPr algn="ctr"/>
+            <a:endParaRPr lang="fr-FR"/>
           </a:p>
         </p:txBody>
       </p:sp>
@@ -3572,6 +3737,164 @@
   <p:clrMapOvr>
     <a:masterClrMapping/>
   </p:clrMapOvr>
+  <p:timing>
+    <p:tnLst>
+      <p:par>
+        <p:cTn id="1" dur="indefinite" restart="never" nodeType="tmRoot">
+          <p:childTnLst>
+            <p:seq concurrent="1" nextAc="seek">
+              <p:cTn id="2" dur="indefinite" nodeType="mainSeq">
+                <p:childTnLst>
+                  <p:par>
+                    <p:cTn id="3" fill="hold">
+                      <p:stCondLst>
+                        <p:cond delay="indefinite"/>
+                      </p:stCondLst>
+                      <p:childTnLst>
+                        <p:par>
+                          <p:cTn id="4" fill="hold">
+                            <p:stCondLst>
+                              <p:cond delay="0"/>
+                            </p:stCondLst>
+                            <p:childTnLst>
+                              <p:par>
+                                <p:cTn id="5" presetID="10" presetClass="entr" presetSubtype="0" fill="hold" grpId="0" nodeType="clickEffect">
+                                  <p:stCondLst>
+                                    <p:cond delay="0"/>
+                                  </p:stCondLst>
+                                  <p:childTnLst>
+                                    <p:set>
+                                      <p:cBhvr>
+                                        <p:cTn id="6" dur="1" fill="hold">
+                                          <p:stCondLst>
+                                            <p:cond delay="0"/>
+                                          </p:stCondLst>
+                                        </p:cTn>
+                                        <p:tgtEl>
+                                          <p:spTgt spid="11"/>
+                                        </p:tgtEl>
+                                        <p:attrNameLst>
+                                          <p:attrName>style.visibility</p:attrName>
+                                        </p:attrNameLst>
+                                      </p:cBhvr>
+                                      <p:to>
+                                        <p:strVal val="visible"/>
+                                      </p:to>
+                                    </p:set>
+                                    <p:animEffect transition="in" filter="fade">
+                                      <p:cBhvr>
+                                        <p:cTn id="7" dur="500"/>
+                                        <p:tgtEl>
+                                          <p:spTgt spid="11"/>
+                                        </p:tgtEl>
+                                      </p:cBhvr>
+                                    </p:animEffect>
+                                  </p:childTnLst>
+                                </p:cTn>
+                              </p:par>
+                              <p:par>
+                                <p:cTn id="8" presetID="10" presetClass="entr" presetSubtype="0" fill="hold" grpId="0" nodeType="withEffect">
+                                  <p:stCondLst>
+                                    <p:cond delay="0"/>
+                                  </p:stCondLst>
+                                  <p:childTnLst>
+                                    <p:set>
+                                      <p:cBhvr>
+                                        <p:cTn id="9" dur="1" fill="hold">
+                                          <p:stCondLst>
+                                            <p:cond delay="0"/>
+                                          </p:stCondLst>
+                                        </p:cTn>
+                                        <p:tgtEl>
+                                          <p:spTgt spid="12"/>
+                                        </p:tgtEl>
+                                        <p:attrNameLst>
+                                          <p:attrName>style.visibility</p:attrName>
+                                        </p:attrNameLst>
+                                      </p:cBhvr>
+                                      <p:to>
+                                        <p:strVal val="visible"/>
+                                      </p:to>
+                                    </p:set>
+                                    <p:animEffect transition="in" filter="fade">
+                                      <p:cBhvr>
+                                        <p:cTn id="10" dur="500"/>
+                                        <p:tgtEl>
+                                          <p:spTgt spid="12"/>
+                                        </p:tgtEl>
+                                      </p:cBhvr>
+                                    </p:animEffect>
+                                  </p:childTnLst>
+                                </p:cTn>
+                              </p:par>
+                              <p:par>
+                                <p:cTn id="11" presetID="10" presetClass="entr" presetSubtype="0" fill="hold" grpId="0" nodeType="withEffect">
+                                  <p:stCondLst>
+                                    <p:cond delay="0"/>
+                                  </p:stCondLst>
+                                  <p:childTnLst>
+                                    <p:set>
+                                      <p:cBhvr>
+                                        <p:cTn id="12" dur="1" fill="hold">
+                                          <p:stCondLst>
+                                            <p:cond delay="0"/>
+                                          </p:stCondLst>
+                                        </p:cTn>
+                                        <p:tgtEl>
+                                          <p:spTgt spid="13"/>
+                                        </p:tgtEl>
+                                        <p:attrNameLst>
+                                          <p:attrName>style.visibility</p:attrName>
+                                        </p:attrNameLst>
+                                      </p:cBhvr>
+                                      <p:to>
+                                        <p:strVal val="visible"/>
+                                      </p:to>
+                                    </p:set>
+                                    <p:animEffect transition="in" filter="fade">
+                                      <p:cBhvr>
+                                        <p:cTn id="13" dur="500"/>
+                                        <p:tgtEl>
+                                          <p:spTgt spid="13"/>
+                                        </p:tgtEl>
+                                      </p:cBhvr>
+                                    </p:animEffect>
+                                  </p:childTnLst>
+                                </p:cTn>
+                              </p:par>
+                            </p:childTnLst>
+                          </p:cTn>
+                        </p:par>
+                      </p:childTnLst>
+                    </p:cTn>
+                  </p:par>
+                </p:childTnLst>
+              </p:cTn>
+              <p:prevCondLst>
+                <p:cond evt="onPrev" delay="0">
+                  <p:tgtEl>
+                    <p:sldTgt/>
+                  </p:tgtEl>
+                </p:cond>
+              </p:prevCondLst>
+              <p:nextCondLst>
+                <p:cond evt="onNext" delay="0">
+                  <p:tgtEl>
+                    <p:sldTgt/>
+                  </p:tgtEl>
+                </p:cond>
+              </p:nextCondLst>
+            </p:seq>
+          </p:childTnLst>
+        </p:cTn>
+      </p:par>
+    </p:tnLst>
+    <p:bldLst>
+      <p:bldP spid="11" grpId="0" animBg="1"/>
+      <p:bldP spid="12" grpId="0" animBg="1"/>
+      <p:bldP spid="13" grpId="0" animBg="1"/>
+    </p:bldLst>
+  </p:timing>
 </p:sld>
 </file>
 
@@ -3661,7 +3984,7 @@
             </a:pPr>
             <a:r>
               <a:rPr lang="fr-FR"/>
-              <a:t>Axes d’améliorations </a:t>
+              <a:t>Axes d’amélioration </a:t>
             </a:r>
             <a:r>
               <a:rPr lang="fr-FR" dirty="0"/>
@@ -3674,13 +3997,10 @@
               <a:buChar char="-"/>
             </a:pPr>
             <a:r>
-              <a:rPr lang="fr-FR" dirty="0" err="1"/>
-              <a:t>alert</a:t>
-            </a:r>
-            <a:r>
-              <a:rPr lang="fr-FR" dirty="0"/>
-              <a:t> manager</a:t>
-            </a:r>
+              <a:rPr lang="fr-FR"/>
+              <a:t>Alert Manager</a:t>
+            </a:r>
+            <a:endParaRPr lang="fr-FR" dirty="0"/>
           </a:p>
           <a:p>
             <a:pPr marL="800100" lvl="1" indent="-342900" algn="l">
@@ -3688,13 +4008,10 @@
               <a:buChar char="-"/>
             </a:pPr>
             <a:r>
-              <a:rPr lang="fr-FR" dirty="0" err="1"/>
-              <a:t>github</a:t>
-            </a:r>
-            <a:r>
-              <a:rPr lang="fr-FR" dirty="0"/>
-              <a:t> actions (dossier .workflow)</a:t>
-            </a:r>
+              <a:rPr lang="fr-FR"/>
+              <a:t>Github Actions</a:t>
+            </a:r>
+            <a:endParaRPr lang="fr-FR" dirty="0"/>
           </a:p>
           <a:p>
             <a:pPr marL="800100" lvl="1" indent="-342900" algn="l">
@@ -3812,8 +4129,12 @@
           <a:p>
             <a:pPr algn="l"/>
             <a:r>
+              <a:rPr lang="fr-FR" sz="3600" b="1" u="sng"/>
+              <a:t>9. </a:t>
+            </a:r>
+            <a:r>
               <a:rPr lang="fr-FR" sz="3600" b="1" u="sng" dirty="0"/>
-              <a:t>6. Conclusion</a:t>
+              <a:t>Conclusion</a:t>
             </a:r>
           </a:p>
         </p:txBody>
@@ -4031,6 +4352,136 @@
           </a:p>
         </p:txBody>
       </p:sp>
+      <p:pic>
+        <p:nvPicPr>
+          <p:cNvPr id="1028" name="Picture 4" descr="data.gouv.fr : plus de 600 000 ...">
+            <a:extLst>
+              <a:ext uri="{FF2B5EF4-FFF2-40B4-BE49-F238E27FC236}">
+                <a16:creationId xmlns:a16="http://schemas.microsoft.com/office/drawing/2014/main" id="{8C196E8A-468D-D436-E4C6-81F4C419F862}"/>
+              </a:ext>
+            </a:extLst>
+          </p:cNvPr>
+          <p:cNvPicPr>
+            <a:picLocks noChangeAspect="1" noChangeArrowheads="1"/>
+          </p:cNvPicPr>
+          <p:nvPr/>
+        </p:nvPicPr>
+        <p:blipFill>
+          <a:blip r:embed="rId2">
+            <a:extLst>
+              <a:ext uri="{28A0092B-C50C-407E-A947-70E740481C1C}">
+                <a14:useLocalDpi xmlns:a14="http://schemas.microsoft.com/office/drawing/2010/main" val="0"/>
+              </a:ext>
+            </a:extLst>
+          </a:blip>
+          <a:srcRect/>
+          <a:stretch>
+            <a:fillRect/>
+          </a:stretch>
+        </p:blipFill>
+        <p:spPr bwMode="auto">
+          <a:xfrm>
+            <a:off x="11151675" y="2129585"/>
+            <a:ext cx="848484" cy="446138"/>
+          </a:xfrm>
+          <a:prstGeom prst="rect">
+            <a:avLst/>
+          </a:prstGeom>
+          <a:noFill/>
+          <a:extLst>
+            <a:ext uri="{909E8E84-426E-40DD-AFC4-6F175D3DCCD1}">
+              <a14:hiddenFill xmlns:a14="http://schemas.microsoft.com/office/drawing/2010/main">
+                <a:solidFill>
+                  <a:srgbClr val="FFFFFF"/>
+                </a:solidFill>
+              </a14:hiddenFill>
+            </a:ext>
+          </a:extLst>
+        </p:spPr>
+      </p:pic>
+      <p:pic>
+        <p:nvPicPr>
+          <p:cNvPr id="11" name="Graphique 10">
+            <a:extLst>
+              <a:ext uri="{FF2B5EF4-FFF2-40B4-BE49-F238E27FC236}">
+                <a16:creationId xmlns:a16="http://schemas.microsoft.com/office/drawing/2014/main" id="{CD903791-CA75-5035-A2CE-881611CF4E04}"/>
+              </a:ext>
+            </a:extLst>
+          </p:cNvPr>
+          <p:cNvPicPr>
+            <a:picLocks noChangeAspect="1"/>
+          </p:cNvPicPr>
+          <p:nvPr/>
+        </p:nvPicPr>
+        <p:blipFill>
+          <a:blip r:embed="rId3">
+            <a:extLst>
+              <a:ext uri="{96DAC541-7B7A-43D3-8B79-37D633B846F1}">
+                <asvg:svgBlip xmlns:asvg="http://schemas.microsoft.com/office/drawing/2016/SVG/main" r:embed="rId4"/>
+              </a:ext>
+            </a:extLst>
+          </a:blip>
+          <a:stretch>
+            <a:fillRect/>
+          </a:stretch>
+        </p:blipFill>
+        <p:spPr>
+          <a:xfrm>
+            <a:off x="10889966" y="1264070"/>
+            <a:ext cx="1134689" cy="420845"/>
+          </a:xfrm>
+          <a:prstGeom prst="rect">
+            <a:avLst/>
+          </a:prstGeom>
+        </p:spPr>
+      </p:pic>
+      <p:pic>
+        <p:nvPicPr>
+          <p:cNvPr id="1034" name="Picture 10" descr="Institut national de la statistique et des études économiques ...">
+            <a:extLst>
+              <a:ext uri="{FF2B5EF4-FFF2-40B4-BE49-F238E27FC236}">
+                <a16:creationId xmlns:a16="http://schemas.microsoft.com/office/drawing/2014/main" id="{27F7CD33-564F-B598-493E-3B8ADBC7A542}"/>
+              </a:ext>
+            </a:extLst>
+          </p:cNvPr>
+          <p:cNvPicPr>
+            <a:picLocks noChangeAspect="1" noChangeArrowheads="1"/>
+          </p:cNvPicPr>
+          <p:nvPr/>
+        </p:nvPicPr>
+        <p:blipFill>
+          <a:blip r:embed="rId5">
+            <a:extLst>
+              <a:ext uri="{28A0092B-C50C-407E-A947-70E740481C1C}">
+                <a14:useLocalDpi xmlns:a14="http://schemas.microsoft.com/office/drawing/2010/main" val="0"/>
+              </a:ext>
+            </a:extLst>
+          </a:blip>
+          <a:srcRect/>
+          <a:stretch>
+            <a:fillRect/>
+          </a:stretch>
+        </p:blipFill>
+        <p:spPr bwMode="auto">
+          <a:xfrm>
+            <a:off x="11323547" y="2905125"/>
+            <a:ext cx="598471" cy="693321"/>
+          </a:xfrm>
+          <a:prstGeom prst="rect">
+            <a:avLst/>
+          </a:prstGeom>
+          <a:noFill/>
+          <a:extLst>
+            <a:ext uri="{909E8E84-426E-40DD-AFC4-6F175D3DCCD1}">
+              <a14:hiddenFill xmlns:a14="http://schemas.microsoft.com/office/drawing/2010/main">
+                <a:solidFill>
+                  <a:srgbClr val="FFFFFF"/>
+                </a:solidFill>
+              </a14:hiddenFill>
+            </a:ext>
+          </a:extLst>
+        </p:spPr>
+      </p:pic>
     </p:spTree>
     <p:extLst>
       <p:ext uri="{BB962C8B-B14F-4D97-AF65-F5344CB8AC3E}">
@@ -4110,10 +4561,10 @@
       </p:sp>
       <p:pic>
         <p:nvPicPr>
-          <p:cNvPr id="4" name="Image 3">
-            <a:extLst>
-              <a:ext uri="{FF2B5EF4-FFF2-40B4-BE49-F238E27FC236}">
-                <a16:creationId xmlns:a16="http://schemas.microsoft.com/office/drawing/2014/main" id="{D13689AD-E767-512D-69C1-8A03A93853E8}"/>
+          <p:cNvPr id="7" name="Image 6">
+            <a:extLst>
+              <a:ext uri="{FF2B5EF4-FFF2-40B4-BE49-F238E27FC236}">
+                <a16:creationId xmlns:a16="http://schemas.microsoft.com/office/drawing/2014/main" id="{7F5FBDB0-33CA-8C70-376B-9CDC7936241C}"/>
               </a:ext>
             </a:extLst>
           </p:cNvPr>
@@ -4130,8 +4581,8 @@
         </p:blipFill>
         <p:spPr>
           <a:xfrm>
-            <a:off x="754758" y="867025"/>
-            <a:ext cx="10848975" cy="5811255"/>
+            <a:off x="738187" y="909466"/>
+            <a:ext cx="10715625" cy="5807758"/>
           </a:xfrm>
           <a:prstGeom prst="rect">
             <a:avLst/>
@@ -4429,17 +4880,22 @@
             <a:pPr algn="l"/>
             <a:r>
               <a:rPr lang="fr-FR" sz="3600" b="1" u="sng" dirty="0"/>
-              <a:t>4. Services Docker déployés</a:t>
-            </a:r>
+              <a:t>4</a:t>
+            </a:r>
+            <a:r>
+              <a:rPr lang="fr-FR" sz="3600" b="1" u="sng"/>
+              <a:t>. Architecture</a:t>
+            </a:r>
+            <a:endParaRPr lang="fr-FR" sz="3600" b="1" u="sng" dirty="0"/>
           </a:p>
         </p:txBody>
       </p:sp>
       <p:pic>
         <p:nvPicPr>
-          <p:cNvPr id="4" name="Image 3">
-            <a:extLst>
-              <a:ext uri="{FF2B5EF4-FFF2-40B4-BE49-F238E27FC236}">
-                <a16:creationId xmlns:a16="http://schemas.microsoft.com/office/drawing/2014/main" id="{D749F6E7-1F44-B834-6E99-3FB9E333416E}"/>
+          <p:cNvPr id="10" name="Image 9">
+            <a:extLst>
+              <a:ext uri="{FF2B5EF4-FFF2-40B4-BE49-F238E27FC236}">
+                <a16:creationId xmlns:a16="http://schemas.microsoft.com/office/drawing/2014/main" id="{B3776857-CC24-FA59-D816-3562FBFA56A9}"/>
               </a:ext>
             </a:extLst>
           </p:cNvPr>
@@ -4456,8 +4912,8 @@
         </p:blipFill>
         <p:spPr>
           <a:xfrm>
-            <a:off x="312798" y="876550"/>
-            <a:ext cx="11563350" cy="5785224"/>
+            <a:off x="360423" y="1005840"/>
+            <a:ext cx="11494809" cy="5636817"/>
           </a:xfrm>
           <a:prstGeom prst="rect">
             <a:avLst/>
@@ -4490,7 +4946,7 @@
         <p:cNvPr id="1" name="">
           <a:extLst>
             <a:ext uri="{FF2B5EF4-FFF2-40B4-BE49-F238E27FC236}">
-              <a16:creationId xmlns:a16="http://schemas.microsoft.com/office/drawing/2014/main" id="{890ADE3A-8658-2F41-E52D-9F755540955B}"/>
+              <a16:creationId xmlns:a16="http://schemas.microsoft.com/office/drawing/2014/main" id="{ACF2B977-DB4C-8702-6D41-44A0528FE2EA}"/>
             </a:ext>
           </a:extLst>
         </p:cNvPr>
@@ -4507,80 +4963,10 @@
       </p:grpSpPr>
       <p:sp>
         <p:nvSpPr>
-          <p:cNvPr id="5" name="Sous-titre 4">
-            <a:extLst>
-              <a:ext uri="{FF2B5EF4-FFF2-40B4-BE49-F238E27FC236}">
-                <a16:creationId xmlns:a16="http://schemas.microsoft.com/office/drawing/2014/main" id="{3918A7AA-752B-19B3-987B-A9151E45857A}"/>
-              </a:ext>
-            </a:extLst>
-          </p:cNvPr>
-          <p:cNvSpPr>
-            <a:spLocks noGrp="1"/>
-          </p:cNvSpPr>
-          <p:nvPr>
-            <p:ph type="subTitle" idx="1"/>
-          </p:nvPr>
-        </p:nvSpPr>
-        <p:spPr>
-          <a:xfrm>
-            <a:off x="599110" y="1113311"/>
-            <a:ext cx="9906000" cy="4023360"/>
-          </a:xfrm>
-        </p:spPr>
-        <p:txBody>
-          <a:bodyPr/>
-          <a:lstStyle/>
-          <a:p>
-            <a:pPr marL="342900" indent="-342900" algn="l">
-              <a:buFontTx/>
-              <a:buChar char="-"/>
-            </a:pPr>
-            <a:r>
-              <a:rPr lang="en-US"/>
-              <a:t>Airflow</a:t>
-            </a:r>
-            <a:endParaRPr lang="en-US" dirty="0"/>
-          </a:p>
-          <a:p>
-            <a:pPr marL="342900" indent="-342900" algn="l">
-              <a:buFontTx/>
-              <a:buChar char="-"/>
-            </a:pPr>
-            <a:r>
-              <a:rPr lang="en-US"/>
-              <a:t>FastAPI</a:t>
-            </a:r>
-            <a:endParaRPr lang="en-US" dirty="0"/>
-          </a:p>
-          <a:p>
-            <a:pPr marL="342900" indent="-342900" algn="l">
-              <a:buFontTx/>
-              <a:buChar char="-"/>
-            </a:pPr>
-            <a:r>
-              <a:rPr lang="en-US" dirty="0"/>
-              <a:t>Power BI</a:t>
-            </a:r>
-          </a:p>
-          <a:p>
-            <a:pPr marL="342900" indent="-342900" algn="l">
-              <a:buFontTx/>
-              <a:buChar char="-"/>
-            </a:pPr>
-            <a:r>
-              <a:rPr lang="en-US" dirty="0"/>
-              <a:t>Monitoring (Prometheus/Grafana)</a:t>
-            </a:r>
-            <a:endParaRPr lang="fr-FR" sz="2400" dirty="0"/>
-          </a:p>
-        </p:txBody>
-      </p:sp>
-      <p:sp>
-        <p:nvSpPr>
           <p:cNvPr id="3" name="Titre 1">
             <a:extLst>
               <a:ext uri="{FF2B5EF4-FFF2-40B4-BE49-F238E27FC236}">
-                <a16:creationId xmlns:a16="http://schemas.microsoft.com/office/drawing/2014/main" id="{D01454D6-6003-1F74-92B3-E6CCB13F04A4}"/>
+                <a16:creationId xmlns:a16="http://schemas.microsoft.com/office/drawing/2014/main" id="{0A21525A-C516-6E13-35F0-5210DF9E1D5E}"/>
               </a:ext>
             </a:extLst>
           </p:cNvPr>
@@ -4624,27 +5010,200 @@
           <a:p>
             <a:pPr algn="l"/>
             <a:r>
-              <a:rPr lang="fr-FR" sz="3600" b="1" u="sng" dirty="0"/>
-              <a:t>5. </a:t>
-            </a:r>
-            <a:r>
-              <a:rPr lang="fr-FR" sz="3600" b="1" u="sng" dirty="0" err="1"/>
-              <a:t>Demo</a:t>
+              <a:rPr lang="fr-FR" sz="3600" b="1" u="sng"/>
+              <a:t>5. ETL avec Airflow</a:t>
             </a:r>
             <a:endParaRPr lang="fr-FR" sz="3600" b="1" u="sng" dirty="0"/>
+          </a:p>
+        </p:txBody>
+      </p:sp>
+      <p:pic>
+        <p:nvPicPr>
+          <p:cNvPr id="10" name="Image 9">
+            <a:extLst>
+              <a:ext uri="{FF2B5EF4-FFF2-40B4-BE49-F238E27FC236}">
+                <a16:creationId xmlns:a16="http://schemas.microsoft.com/office/drawing/2014/main" id="{66322E06-E757-9F14-2A54-72A170690947}"/>
+              </a:ext>
+            </a:extLst>
+          </p:cNvPr>
+          <p:cNvPicPr>
+            <a:picLocks noChangeAspect="1"/>
+          </p:cNvPicPr>
+          <p:nvPr/>
+        </p:nvPicPr>
+        <p:blipFill>
+          <a:blip r:embed="rId2"/>
+          <a:stretch>
+            <a:fillRect/>
+          </a:stretch>
+        </p:blipFill>
+        <p:spPr>
+          <a:xfrm>
+            <a:off x="360423" y="1005840"/>
+            <a:ext cx="11494809" cy="5636817"/>
+          </a:xfrm>
+          <a:prstGeom prst="rect">
+            <a:avLst/>
+          </a:prstGeom>
+          <a:ln>
+            <a:solidFill>
+              <a:schemeClr val="tx1"/>
+            </a:solidFill>
+          </a:ln>
+        </p:spPr>
+      </p:pic>
+      <p:sp>
+        <p:nvSpPr>
+          <p:cNvPr id="6" name="Rectangle 5">
+            <a:extLst>
+              <a:ext uri="{FF2B5EF4-FFF2-40B4-BE49-F238E27FC236}">
+                <a16:creationId xmlns:a16="http://schemas.microsoft.com/office/drawing/2014/main" id="{C8411A7E-00CB-DB43-4993-E574948471A9}"/>
+              </a:ext>
+            </a:extLst>
+          </p:cNvPr>
+          <p:cNvSpPr/>
+          <p:nvPr/>
+        </p:nvSpPr>
+        <p:spPr>
+          <a:xfrm>
+            <a:off x="355406" y="1006800"/>
+            <a:ext cx="4062590" cy="3353443"/>
+          </a:xfrm>
+          <a:prstGeom prst="rect">
+            <a:avLst/>
+          </a:prstGeom>
+          <a:blipFill dpi="0" rotWithShape="1">
+            <a:blip r:embed="rId3">
+              <a:alphaModFix amt="40000"/>
+            </a:blip>
+            <a:srcRect/>
+            <a:tile tx="0" ty="0" sx="100000" sy="100000" flip="none" algn="tl"/>
+          </a:blipFill>
+          <a:ln>
+            <a:noFill/>
+          </a:ln>
+        </p:spPr>
+        <p:style>
+          <a:lnRef idx="2">
+            <a:schemeClr val="accent1">
+              <a:shade val="15000"/>
+            </a:schemeClr>
+          </a:lnRef>
+          <a:fillRef idx="1">
+            <a:schemeClr val="accent1"/>
+          </a:fillRef>
+          <a:effectRef idx="0">
+            <a:schemeClr val="accent1"/>
+          </a:effectRef>
+          <a:fontRef idx="minor">
+            <a:schemeClr val="lt1"/>
+          </a:fontRef>
+        </p:style>
+        <p:txBody>
+          <a:bodyPr rtlCol="0" anchor="ctr"/>
+          <a:lstStyle/>
+          <a:p>
+            <a:pPr algn="ctr"/>
+            <a:endParaRPr lang="fr-FR"/>
           </a:p>
         </p:txBody>
       </p:sp>
     </p:spTree>
     <p:extLst>
       <p:ext uri="{BB962C8B-B14F-4D97-AF65-F5344CB8AC3E}">
-        <p14:creationId xmlns:p14="http://schemas.microsoft.com/office/powerpoint/2010/main" val="3047329949"/>
+        <p14:creationId xmlns:p14="http://schemas.microsoft.com/office/powerpoint/2010/main" val="3660132755"/>
       </p:ext>
     </p:extLst>
   </p:cSld>
   <p:clrMapOvr>
     <a:masterClrMapping/>
   </p:clrMapOvr>
+  <p:timing>
+    <p:tnLst>
+      <p:par>
+        <p:cTn id="1" dur="indefinite" restart="never" nodeType="tmRoot">
+          <p:childTnLst>
+            <p:seq concurrent="1" nextAc="seek">
+              <p:cTn id="2" dur="indefinite" nodeType="mainSeq">
+                <p:childTnLst>
+                  <p:par>
+                    <p:cTn id="3" fill="hold">
+                      <p:stCondLst>
+                        <p:cond delay="indefinite"/>
+                      </p:stCondLst>
+                      <p:childTnLst>
+                        <p:par>
+                          <p:cTn id="4" fill="hold">
+                            <p:stCondLst>
+                              <p:cond delay="0"/>
+                            </p:stCondLst>
+                            <p:childTnLst>
+                              <p:par>
+                                <p:cTn id="5" presetID="10" presetClass="entr" presetSubtype="0" fill="hold" grpId="0" nodeType="clickEffect">
+                                  <p:stCondLst>
+                                    <p:cond delay="0"/>
+                                  </p:stCondLst>
+                                  <p:childTnLst>
+                                    <p:set>
+                                      <p:cBhvr>
+                                        <p:cTn id="6" dur="1" fill="hold">
+                                          <p:stCondLst>
+                                            <p:cond delay="0"/>
+                                          </p:stCondLst>
+                                        </p:cTn>
+                                        <p:tgtEl>
+                                          <p:spTgt spid="6"/>
+                                        </p:tgtEl>
+                                        <p:attrNameLst>
+                                          <p:attrName>style.visibility</p:attrName>
+                                        </p:attrNameLst>
+                                      </p:cBhvr>
+                                      <p:to>
+                                        <p:strVal val="visible"/>
+                                      </p:to>
+                                    </p:set>
+                                    <p:animEffect transition="in" filter="fade">
+                                      <p:cBhvr>
+                                        <p:cTn id="7" dur="500"/>
+                                        <p:tgtEl>
+                                          <p:spTgt spid="6"/>
+                                        </p:tgtEl>
+                                      </p:cBhvr>
+                                    </p:animEffect>
+                                  </p:childTnLst>
+                                </p:cTn>
+                              </p:par>
+                            </p:childTnLst>
+                          </p:cTn>
+                        </p:par>
+                      </p:childTnLst>
+                    </p:cTn>
+                  </p:par>
+                </p:childTnLst>
+              </p:cTn>
+              <p:prevCondLst>
+                <p:cond evt="onPrev" delay="0">
+                  <p:tgtEl>
+                    <p:sldTgt/>
+                  </p:tgtEl>
+                </p:cond>
+              </p:prevCondLst>
+              <p:nextCondLst>
+                <p:cond evt="onNext" delay="0">
+                  <p:tgtEl>
+                    <p:sldTgt/>
+                  </p:tgtEl>
+                </p:cond>
+              </p:nextCondLst>
+            </p:seq>
+          </p:childTnLst>
+        </p:cTn>
+      </p:par>
+    </p:tnLst>
+    <p:bldLst>
+      <p:bldP spid="6" grpId="0" animBg="1"/>
+    </p:bldLst>
+  </p:timing>
 </p:sld>
 </file>
 
@@ -4671,44 +5230,42 @@
           <a:chExt cx="0" cy="0"/>
         </a:xfrm>
       </p:grpSpPr>
-      <p:sp>
-        <p:nvSpPr>
-          <p:cNvPr id="5" name="Sous-titre 4">
-            <a:extLst>
-              <a:ext uri="{FF2B5EF4-FFF2-40B4-BE49-F238E27FC236}">
-                <a16:creationId xmlns:a16="http://schemas.microsoft.com/office/drawing/2014/main" id="{D154319C-72FC-3F67-E7BD-FF944835B66E}"/>
-              </a:ext>
-            </a:extLst>
-          </p:cNvPr>
-          <p:cNvSpPr>
-            <a:spLocks noGrp="1"/>
-          </p:cNvSpPr>
-          <p:nvPr>
-            <p:ph type="subTitle" idx="1"/>
-          </p:nvPr>
-        </p:nvSpPr>
+      <p:pic>
+        <p:nvPicPr>
+          <p:cNvPr id="14" name="Image 13">
+            <a:extLst>
+              <a:ext uri="{FF2B5EF4-FFF2-40B4-BE49-F238E27FC236}">
+                <a16:creationId xmlns:a16="http://schemas.microsoft.com/office/drawing/2014/main" id="{B0007CEC-A3AE-F85A-2154-12FBF70E3E62}"/>
+              </a:ext>
+            </a:extLst>
+          </p:cNvPr>
+          <p:cNvPicPr>
+            <a:picLocks noChangeAspect="1"/>
+          </p:cNvPicPr>
+          <p:nvPr/>
+        </p:nvPicPr>
+        <p:blipFill>
+          <a:blip r:embed="rId2">
+            <a:extLst>
+              <a:ext uri="{28A0092B-C50C-407E-A947-70E740481C1C}">
+                <a14:useLocalDpi xmlns:a14="http://schemas.microsoft.com/office/drawing/2010/main" val="0"/>
+              </a:ext>
+            </a:extLst>
+          </a:blip>
+          <a:stretch>
+            <a:fillRect/>
+          </a:stretch>
+        </p:blipFill>
         <p:spPr>
           <a:xfrm>
-            <a:off x="599110" y="1113311"/>
-            <a:ext cx="9906000" cy="4023360"/>
+            <a:off x="142875" y="937416"/>
+            <a:ext cx="11925300" cy="1928945"/>
           </a:xfrm>
+          <a:prstGeom prst="rect">
+            <a:avLst/>
+          </a:prstGeom>
         </p:spPr>
-        <p:txBody>
-          <a:bodyPr/>
-          <a:lstStyle/>
-          <a:p>
-            <a:pPr marL="342900" indent="-342900" algn="l">
-              <a:buFontTx/>
-              <a:buChar char="-"/>
-            </a:pPr>
-            <a:r>
-              <a:rPr lang="en-US" sz="2400"/>
-              <a:t>screenshots</a:t>
-            </a:r>
-            <a:endParaRPr lang="fr-FR" sz="2400" dirty="0"/>
-          </a:p>
-        </p:txBody>
-      </p:sp>
+      </p:pic>
       <p:sp>
         <p:nvSpPr>
           <p:cNvPr id="3" name="Titre 1">
@@ -4759,18 +5316,53 @@
             <a:pPr algn="l"/>
             <a:r>
               <a:rPr lang="fr-FR" sz="3600" b="1" u="sng"/>
-              <a:t>5A. Demo Airflow</a:t>
+              <a:t>5. ETL avec Airflow</a:t>
             </a:r>
             <a:endParaRPr lang="fr-FR" sz="3600" b="1" u="sng" dirty="0"/>
+          </a:p>
+        </p:txBody>
+      </p:sp>
+      <p:sp>
+        <p:nvSpPr>
+          <p:cNvPr id="9" name="Sous-titre 4">
+            <a:extLst>
+              <a:ext uri="{FF2B5EF4-FFF2-40B4-BE49-F238E27FC236}">
+                <a16:creationId xmlns:a16="http://schemas.microsoft.com/office/drawing/2014/main" id="{9633B82C-67FA-7227-0C99-8ED97149E0E4}"/>
+              </a:ext>
+            </a:extLst>
+          </p:cNvPr>
+          <p:cNvSpPr>
+            <a:spLocks noGrp="1"/>
+          </p:cNvSpPr>
+          <p:nvPr>
+            <p:ph type="subTitle" idx="1"/>
+          </p:nvPr>
+        </p:nvSpPr>
+        <p:spPr>
+          <a:xfrm>
+            <a:off x="11112878" y="2552037"/>
+            <a:ext cx="1069597" cy="426353"/>
+          </a:xfrm>
+        </p:spPr>
+        <p:txBody>
+          <a:bodyPr>
+            <a:normAutofit/>
+          </a:bodyPr>
+          <a:lstStyle/>
+          <a:p>
+            <a:r>
+              <a:rPr lang="en-US" b="1"/>
+              <a:t>DAG 1</a:t>
+            </a:r>
           </a:p>
         </p:txBody>
       </p:sp>
       <p:pic>
         <p:nvPicPr>
-          <p:cNvPr id="7" name="Image 6">
-            <a:extLst>
-              <a:ext uri="{FF2B5EF4-FFF2-40B4-BE49-F238E27FC236}">
-                <a16:creationId xmlns:a16="http://schemas.microsoft.com/office/drawing/2014/main" id="{48DB5482-29A3-459C-86D5-18B44F7F34AD}"/>
+          <p:cNvPr id="16" name="Image 15">
+            <a:extLst>
+              <a:ext uri="{FF2B5EF4-FFF2-40B4-BE49-F238E27FC236}">
+                <a16:creationId xmlns:a16="http://schemas.microsoft.com/office/drawing/2014/main" id="{ECE7B9C8-0376-7176-4DA6-67A4FDBBACD8}"/>
               </a:ext>
             </a:extLst>
           </p:cNvPr>
@@ -4780,7 +5372,7 @@
           <p:nvPr/>
         </p:nvPicPr>
         <p:blipFill>
-          <a:blip r:embed="rId2">
+          <a:blip r:embed="rId3">
             <a:extLst>
               <a:ext uri="{28A0092B-C50C-407E-A947-70E740481C1C}">
                 <a14:useLocalDpi xmlns:a14="http://schemas.microsoft.com/office/drawing/2010/main" val="0"/>
@@ -4793,14 +5385,213 @@
         </p:blipFill>
         <p:spPr>
           <a:xfrm>
-            <a:off x="0" y="1714584"/>
-            <a:ext cx="12192000" cy="2033483"/>
+            <a:off x="844388" y="3081932"/>
+            <a:ext cx="10694067" cy="3580737"/>
           </a:xfrm>
           <a:prstGeom prst="rect">
             <a:avLst/>
           </a:prstGeom>
         </p:spPr>
       </p:pic>
+      <p:sp>
+        <p:nvSpPr>
+          <p:cNvPr id="12" name="Sous-titre 4">
+            <a:extLst>
+              <a:ext uri="{FF2B5EF4-FFF2-40B4-BE49-F238E27FC236}">
+                <a16:creationId xmlns:a16="http://schemas.microsoft.com/office/drawing/2014/main" id="{B040FC7E-FD40-B513-C30A-4AB6F7F3E508}"/>
+              </a:ext>
+            </a:extLst>
+          </p:cNvPr>
+          <p:cNvSpPr txBox="1">
+            <a:spLocks/>
+          </p:cNvSpPr>
+          <p:nvPr/>
+        </p:nvSpPr>
+        <p:spPr>
+          <a:xfrm>
+            <a:off x="10554584" y="6354243"/>
+            <a:ext cx="1069597" cy="426353"/>
+          </a:xfrm>
+          <a:prstGeom prst="rect">
+            <a:avLst/>
+          </a:prstGeom>
+        </p:spPr>
+        <p:txBody>
+          <a:bodyPr vert="horz" lIns="91440" tIns="45720" rIns="91440" bIns="45720" rtlCol="0">
+            <a:normAutofit/>
+          </a:bodyPr>
+          <a:lstStyle>
+            <a:lvl1pPr marL="0" indent="0" algn="ctr" defTabSz="914400" rtl="0" eaLnBrk="1" latinLnBrk="0" hangingPunct="1">
+              <a:lnSpc>
+                <a:spcPct val="90000"/>
+              </a:lnSpc>
+              <a:spcBef>
+                <a:spcPts val="1000"/>
+              </a:spcBef>
+              <a:buFont typeface="Arial" panose="020B0604020202020204" pitchFamily="34" charset="0"/>
+              <a:buNone/>
+              <a:defRPr sz="2400" kern="1200">
+                <a:solidFill>
+                  <a:schemeClr val="tx1"/>
+                </a:solidFill>
+                <a:latin typeface="+mn-lt"/>
+                <a:ea typeface="+mn-ea"/>
+                <a:cs typeface="+mn-cs"/>
+              </a:defRPr>
+            </a:lvl1pPr>
+            <a:lvl2pPr marL="457200" indent="0" algn="ctr" defTabSz="914400" rtl="0" eaLnBrk="1" latinLnBrk="0" hangingPunct="1">
+              <a:lnSpc>
+                <a:spcPct val="90000"/>
+              </a:lnSpc>
+              <a:spcBef>
+                <a:spcPts val="500"/>
+              </a:spcBef>
+              <a:buFont typeface="Arial" panose="020B0604020202020204" pitchFamily="34" charset="0"/>
+              <a:buNone/>
+              <a:defRPr sz="2000" kern="1200">
+                <a:solidFill>
+                  <a:schemeClr val="tx1"/>
+                </a:solidFill>
+                <a:latin typeface="+mn-lt"/>
+                <a:ea typeface="+mn-ea"/>
+                <a:cs typeface="+mn-cs"/>
+              </a:defRPr>
+            </a:lvl2pPr>
+            <a:lvl3pPr marL="914400" indent="0" algn="ctr" defTabSz="914400" rtl="0" eaLnBrk="1" latinLnBrk="0" hangingPunct="1">
+              <a:lnSpc>
+                <a:spcPct val="90000"/>
+              </a:lnSpc>
+              <a:spcBef>
+                <a:spcPts val="500"/>
+              </a:spcBef>
+              <a:buFont typeface="Arial" panose="020B0604020202020204" pitchFamily="34" charset="0"/>
+              <a:buNone/>
+              <a:defRPr sz="1800" kern="1200">
+                <a:solidFill>
+                  <a:schemeClr val="tx1"/>
+                </a:solidFill>
+                <a:latin typeface="+mn-lt"/>
+                <a:ea typeface="+mn-ea"/>
+                <a:cs typeface="+mn-cs"/>
+              </a:defRPr>
+            </a:lvl3pPr>
+            <a:lvl4pPr marL="1371600" indent="0" algn="ctr" defTabSz="914400" rtl="0" eaLnBrk="1" latinLnBrk="0" hangingPunct="1">
+              <a:lnSpc>
+                <a:spcPct val="90000"/>
+              </a:lnSpc>
+              <a:spcBef>
+                <a:spcPts val="500"/>
+              </a:spcBef>
+              <a:buFont typeface="Arial" panose="020B0604020202020204" pitchFamily="34" charset="0"/>
+              <a:buNone/>
+              <a:defRPr sz="1600" kern="1200">
+                <a:solidFill>
+                  <a:schemeClr val="tx1"/>
+                </a:solidFill>
+                <a:latin typeface="+mn-lt"/>
+                <a:ea typeface="+mn-ea"/>
+                <a:cs typeface="+mn-cs"/>
+              </a:defRPr>
+            </a:lvl4pPr>
+            <a:lvl5pPr marL="1828800" indent="0" algn="ctr" defTabSz="914400" rtl="0" eaLnBrk="1" latinLnBrk="0" hangingPunct="1">
+              <a:lnSpc>
+                <a:spcPct val="90000"/>
+              </a:lnSpc>
+              <a:spcBef>
+                <a:spcPts val="500"/>
+              </a:spcBef>
+              <a:buFont typeface="Arial" panose="020B0604020202020204" pitchFamily="34" charset="0"/>
+              <a:buNone/>
+              <a:defRPr sz="1600" kern="1200">
+                <a:solidFill>
+                  <a:schemeClr val="tx1"/>
+                </a:solidFill>
+                <a:latin typeface="+mn-lt"/>
+                <a:ea typeface="+mn-ea"/>
+                <a:cs typeface="+mn-cs"/>
+              </a:defRPr>
+            </a:lvl5pPr>
+            <a:lvl6pPr marL="2286000" indent="0" algn="ctr" defTabSz="914400" rtl="0" eaLnBrk="1" latinLnBrk="0" hangingPunct="1">
+              <a:lnSpc>
+                <a:spcPct val="90000"/>
+              </a:lnSpc>
+              <a:spcBef>
+                <a:spcPts val="500"/>
+              </a:spcBef>
+              <a:buFont typeface="Arial" panose="020B0604020202020204" pitchFamily="34" charset="0"/>
+              <a:buNone/>
+              <a:defRPr sz="1600" kern="1200">
+                <a:solidFill>
+                  <a:schemeClr val="tx1"/>
+                </a:solidFill>
+                <a:latin typeface="+mn-lt"/>
+                <a:ea typeface="+mn-ea"/>
+                <a:cs typeface="+mn-cs"/>
+              </a:defRPr>
+            </a:lvl6pPr>
+            <a:lvl7pPr marL="2743200" indent="0" algn="ctr" defTabSz="914400" rtl="0" eaLnBrk="1" latinLnBrk="0" hangingPunct="1">
+              <a:lnSpc>
+                <a:spcPct val="90000"/>
+              </a:lnSpc>
+              <a:spcBef>
+                <a:spcPts val="500"/>
+              </a:spcBef>
+              <a:buFont typeface="Arial" panose="020B0604020202020204" pitchFamily="34" charset="0"/>
+              <a:buNone/>
+              <a:defRPr sz="1600" kern="1200">
+                <a:solidFill>
+                  <a:schemeClr val="tx1"/>
+                </a:solidFill>
+                <a:latin typeface="+mn-lt"/>
+                <a:ea typeface="+mn-ea"/>
+                <a:cs typeface="+mn-cs"/>
+              </a:defRPr>
+            </a:lvl7pPr>
+            <a:lvl8pPr marL="3200400" indent="0" algn="ctr" defTabSz="914400" rtl="0" eaLnBrk="1" latinLnBrk="0" hangingPunct="1">
+              <a:lnSpc>
+                <a:spcPct val="90000"/>
+              </a:lnSpc>
+              <a:spcBef>
+                <a:spcPts val="500"/>
+              </a:spcBef>
+              <a:buFont typeface="Arial" panose="020B0604020202020204" pitchFamily="34" charset="0"/>
+              <a:buNone/>
+              <a:defRPr sz="1600" kern="1200">
+                <a:solidFill>
+                  <a:schemeClr val="tx1"/>
+                </a:solidFill>
+                <a:latin typeface="+mn-lt"/>
+                <a:ea typeface="+mn-ea"/>
+                <a:cs typeface="+mn-cs"/>
+              </a:defRPr>
+            </a:lvl8pPr>
+            <a:lvl9pPr marL="3657600" indent="0" algn="ctr" defTabSz="914400" rtl="0" eaLnBrk="1" latinLnBrk="0" hangingPunct="1">
+              <a:lnSpc>
+                <a:spcPct val="90000"/>
+              </a:lnSpc>
+              <a:spcBef>
+                <a:spcPts val="500"/>
+              </a:spcBef>
+              <a:buFont typeface="Arial" panose="020B0604020202020204" pitchFamily="34" charset="0"/>
+              <a:buNone/>
+              <a:defRPr sz="1600" kern="1200">
+                <a:solidFill>
+                  <a:schemeClr val="tx1"/>
+                </a:solidFill>
+                <a:latin typeface="+mn-lt"/>
+                <a:ea typeface="+mn-ea"/>
+                <a:cs typeface="+mn-cs"/>
+              </a:defRPr>
+            </a:lvl9pPr>
+          </a:lstStyle>
+          <a:p>
+            <a:r>
+              <a:rPr lang="en-US" b="1"/>
+              <a:t>DAG 2</a:t>
+            </a:r>
+          </a:p>
+        </p:txBody>
+      </p:sp>
     </p:spTree>
     <p:extLst>
       <p:ext uri="{BB962C8B-B14F-4D97-AF65-F5344CB8AC3E}">
@@ -4839,44 +5630,6 @@
       </p:grpSpPr>
       <p:sp>
         <p:nvSpPr>
-          <p:cNvPr id="5" name="Sous-titre 4">
-            <a:extLst>
-              <a:ext uri="{FF2B5EF4-FFF2-40B4-BE49-F238E27FC236}">
-                <a16:creationId xmlns:a16="http://schemas.microsoft.com/office/drawing/2014/main" id="{F62A4E8B-DC81-86D7-9AF6-E06088DB581B}"/>
-              </a:ext>
-            </a:extLst>
-          </p:cNvPr>
-          <p:cNvSpPr>
-            <a:spLocks noGrp="1"/>
-          </p:cNvSpPr>
-          <p:nvPr>
-            <p:ph type="subTitle" idx="1"/>
-          </p:nvPr>
-        </p:nvSpPr>
-        <p:spPr>
-          <a:xfrm>
-            <a:off x="599110" y="1113311"/>
-            <a:ext cx="9906000" cy="4023360"/>
-          </a:xfrm>
-        </p:spPr>
-        <p:txBody>
-          <a:bodyPr/>
-          <a:lstStyle/>
-          <a:p>
-            <a:pPr marL="342900" indent="-342900" algn="l">
-              <a:buFontTx/>
-              <a:buChar char="-"/>
-            </a:pPr>
-            <a:r>
-              <a:rPr lang="en-US"/>
-              <a:t>screenshot</a:t>
-            </a:r>
-            <a:endParaRPr lang="fr-FR" sz="2400" dirty="0"/>
-          </a:p>
-        </p:txBody>
-      </p:sp>
-      <p:sp>
-        <p:nvSpPr>
           <p:cNvPr id="3" name="Titre 1">
             <a:extLst>
               <a:ext uri="{FF2B5EF4-FFF2-40B4-BE49-F238E27FC236}">
@@ -4925,9 +5678,156 @@
             <a:pPr algn="l"/>
             <a:r>
               <a:rPr lang="fr-FR" sz="3600" b="1" u="sng"/>
-              <a:t>5B. Demo FastAPI</a:t>
+              <a:t>6. Création d’une API avec FastAPI</a:t>
             </a:r>
             <a:endParaRPr lang="fr-FR" sz="3600" b="1" u="sng" dirty="0"/>
+          </a:p>
+        </p:txBody>
+      </p:sp>
+      <p:pic>
+        <p:nvPicPr>
+          <p:cNvPr id="7" name="Image 6">
+            <a:extLst>
+              <a:ext uri="{FF2B5EF4-FFF2-40B4-BE49-F238E27FC236}">
+                <a16:creationId xmlns:a16="http://schemas.microsoft.com/office/drawing/2014/main" id="{F920BDD4-CB4D-DA17-6DA8-9DFEB66A08EA}"/>
+              </a:ext>
+            </a:extLst>
+          </p:cNvPr>
+          <p:cNvPicPr>
+            <a:picLocks noChangeAspect="1"/>
+          </p:cNvPicPr>
+          <p:nvPr/>
+        </p:nvPicPr>
+        <p:blipFill>
+          <a:blip r:embed="rId2"/>
+          <a:stretch>
+            <a:fillRect/>
+          </a:stretch>
+        </p:blipFill>
+        <p:spPr>
+          <a:xfrm>
+            <a:off x="360423" y="1005840"/>
+            <a:ext cx="11494809" cy="5636817"/>
+          </a:xfrm>
+          <a:prstGeom prst="rect">
+            <a:avLst/>
+          </a:prstGeom>
+          <a:ln>
+            <a:solidFill>
+              <a:schemeClr val="tx1"/>
+            </a:solidFill>
+          </a:ln>
+        </p:spPr>
+      </p:pic>
+      <p:sp>
+        <p:nvSpPr>
+          <p:cNvPr id="11" name="Rectangle 10">
+            <a:extLst>
+              <a:ext uri="{FF2B5EF4-FFF2-40B4-BE49-F238E27FC236}">
+                <a16:creationId xmlns:a16="http://schemas.microsoft.com/office/drawing/2014/main" id="{5E336FB4-338C-DF4C-E14E-58E1DD14E508}"/>
+              </a:ext>
+            </a:extLst>
+          </p:cNvPr>
+          <p:cNvSpPr/>
+          <p:nvPr/>
+        </p:nvSpPr>
+        <p:spPr>
+          <a:xfrm>
+            <a:off x="355406" y="2964581"/>
+            <a:ext cx="3023061" cy="1395662"/>
+          </a:xfrm>
+          <a:prstGeom prst="rect">
+            <a:avLst/>
+          </a:prstGeom>
+          <a:blipFill dpi="0" rotWithShape="1">
+            <a:blip r:embed="rId3">
+              <a:alphaModFix amt="40000"/>
+            </a:blip>
+            <a:srcRect/>
+            <a:tile tx="0" ty="0" sx="100000" sy="100000" flip="none" algn="tl"/>
+          </a:blipFill>
+          <a:ln>
+            <a:noFill/>
+          </a:ln>
+        </p:spPr>
+        <p:style>
+          <a:lnRef idx="2">
+            <a:schemeClr val="accent1">
+              <a:shade val="15000"/>
+            </a:schemeClr>
+          </a:lnRef>
+          <a:fillRef idx="1">
+            <a:schemeClr val="accent1"/>
+          </a:fillRef>
+          <a:effectRef idx="0">
+            <a:schemeClr val="accent1"/>
+          </a:effectRef>
+          <a:fontRef idx="minor">
+            <a:schemeClr val="lt1"/>
+          </a:fontRef>
+        </p:style>
+        <p:txBody>
+          <a:bodyPr rtlCol="0" anchor="ctr"/>
+          <a:lstStyle/>
+          <a:p>
+            <a:pPr algn="ctr"/>
+            <a:endParaRPr lang="fr-FR"/>
+          </a:p>
+        </p:txBody>
+      </p:sp>
+      <p:sp>
+        <p:nvSpPr>
+          <p:cNvPr id="12" name="Rectangle 11">
+            <a:extLst>
+              <a:ext uri="{FF2B5EF4-FFF2-40B4-BE49-F238E27FC236}">
+                <a16:creationId xmlns:a16="http://schemas.microsoft.com/office/drawing/2014/main" id="{73A4F06E-ABB7-7918-F41B-4C1FAC40C36A}"/>
+              </a:ext>
+            </a:extLst>
+          </p:cNvPr>
+          <p:cNvSpPr/>
+          <p:nvPr/>
+        </p:nvSpPr>
+        <p:spPr>
+          <a:xfrm>
+            <a:off x="355407" y="4360243"/>
+            <a:ext cx="1973908" cy="2282414"/>
+          </a:xfrm>
+          <a:prstGeom prst="rect">
+            <a:avLst/>
+          </a:prstGeom>
+          <a:blipFill dpi="0" rotWithShape="1">
+            <a:blip r:embed="rId3">
+              <a:alphaModFix amt="40000"/>
+            </a:blip>
+            <a:srcRect/>
+            <a:tile tx="0" ty="0" sx="100000" sy="100000" flip="none" algn="tl"/>
+          </a:blipFill>
+          <a:ln>
+            <a:noFill/>
+          </a:ln>
+        </p:spPr>
+        <p:style>
+          <a:lnRef idx="2">
+            <a:schemeClr val="accent1">
+              <a:shade val="15000"/>
+            </a:schemeClr>
+          </a:lnRef>
+          <a:fillRef idx="1">
+            <a:schemeClr val="accent1"/>
+          </a:fillRef>
+          <a:effectRef idx="0">
+            <a:schemeClr val="accent1"/>
+          </a:effectRef>
+          <a:fontRef idx="minor">
+            <a:schemeClr val="lt1"/>
+          </a:fontRef>
+        </p:style>
+        <p:txBody>
+          <a:bodyPr rtlCol="0" anchor="ctr"/>
+          <a:lstStyle/>
+          <a:p>
+            <a:pPr algn="ctr"/>
+            <a:endParaRPr lang="fr-FR"/>
           </a:p>
         </p:txBody>
       </p:sp>
@@ -4941,6 +5841,128 @@
   <p:clrMapOvr>
     <a:masterClrMapping/>
   </p:clrMapOvr>
+  <p:timing>
+    <p:tnLst>
+      <p:par>
+        <p:cTn id="1" dur="indefinite" restart="never" nodeType="tmRoot">
+          <p:childTnLst>
+            <p:seq concurrent="1" nextAc="seek">
+              <p:cTn id="2" dur="indefinite" nodeType="mainSeq">
+                <p:childTnLst>
+                  <p:par>
+                    <p:cTn id="3" fill="hold">
+                      <p:stCondLst>
+                        <p:cond delay="indefinite"/>
+                      </p:stCondLst>
+                      <p:childTnLst>
+                        <p:par>
+                          <p:cTn id="4" fill="hold">
+                            <p:stCondLst>
+                              <p:cond delay="0"/>
+                            </p:stCondLst>
+                            <p:childTnLst>
+                              <p:par>
+                                <p:cTn id="5" presetID="10" presetClass="entr" presetSubtype="0" fill="hold" grpId="0" nodeType="clickEffect">
+                                  <p:stCondLst>
+                                    <p:cond delay="0"/>
+                                  </p:stCondLst>
+                                  <p:childTnLst>
+                                    <p:set>
+                                      <p:cBhvr>
+                                        <p:cTn id="6" dur="1" fill="hold">
+                                          <p:stCondLst>
+                                            <p:cond delay="0"/>
+                                          </p:stCondLst>
+                                        </p:cTn>
+                                        <p:tgtEl>
+                                          <p:spTgt spid="11"/>
+                                        </p:tgtEl>
+                                        <p:attrNameLst>
+                                          <p:attrName>style.visibility</p:attrName>
+                                        </p:attrNameLst>
+                                      </p:cBhvr>
+                                      <p:to>
+                                        <p:strVal val="visible"/>
+                                      </p:to>
+                                    </p:set>
+                                    <p:animEffect transition="in" filter="fade">
+                                      <p:cBhvr>
+                                        <p:cTn id="7" dur="500"/>
+                                        <p:tgtEl>
+                                          <p:spTgt spid="11"/>
+                                        </p:tgtEl>
+                                      </p:cBhvr>
+                                    </p:animEffect>
+                                  </p:childTnLst>
+                                </p:cTn>
+                              </p:par>
+                              <p:par>
+                                <p:cTn id="8" presetID="10" presetClass="entr" presetSubtype="0" fill="hold" grpId="0" nodeType="withEffect">
+                                  <p:stCondLst>
+                                    <p:cond delay="0"/>
+                                  </p:stCondLst>
+                                  <p:childTnLst>
+                                    <p:set>
+                                      <p:cBhvr>
+                                        <p:cTn id="9" dur="1" fill="hold">
+                                          <p:stCondLst>
+                                            <p:cond delay="0"/>
+                                          </p:stCondLst>
+                                        </p:cTn>
+                                        <p:tgtEl>
+                                          <p:spTgt spid="12"/>
+                                        </p:tgtEl>
+                                        <p:attrNameLst>
+                                          <p:attrName>style.visibility</p:attrName>
+                                        </p:attrNameLst>
+                                      </p:cBhvr>
+                                      <p:to>
+                                        <p:strVal val="visible"/>
+                                      </p:to>
+                                    </p:set>
+                                    <p:animEffect transition="in" filter="fade">
+                                      <p:cBhvr>
+                                        <p:cTn id="10" dur="500"/>
+                                        <p:tgtEl>
+                                          <p:spTgt spid="12"/>
+                                        </p:tgtEl>
+                                      </p:cBhvr>
+                                    </p:animEffect>
+                                  </p:childTnLst>
+                                </p:cTn>
+                              </p:par>
+                            </p:childTnLst>
+                          </p:cTn>
+                        </p:par>
+                      </p:childTnLst>
+                    </p:cTn>
+                  </p:par>
+                </p:childTnLst>
+              </p:cTn>
+              <p:prevCondLst>
+                <p:cond evt="onPrev" delay="0">
+                  <p:tgtEl>
+                    <p:sldTgt/>
+                  </p:tgtEl>
+                </p:cond>
+              </p:prevCondLst>
+              <p:nextCondLst>
+                <p:cond evt="onNext" delay="0">
+                  <p:tgtEl>
+                    <p:sldTgt/>
+                  </p:tgtEl>
+                </p:cond>
+              </p:nextCondLst>
+            </p:seq>
+          </p:childTnLst>
+        </p:cTn>
+      </p:par>
+    </p:tnLst>
+    <p:bldLst>
+      <p:bldP spid="11" grpId="0" animBg="1"/>
+      <p:bldP spid="12" grpId="0" animBg="1"/>
+    </p:bldLst>
+  </p:timing>
 </p:sld>
 </file>
 
@@ -4969,44 +5991,6 @@
       </p:grpSpPr>
       <p:sp>
         <p:nvSpPr>
-          <p:cNvPr id="5" name="Sous-titre 4">
-            <a:extLst>
-              <a:ext uri="{FF2B5EF4-FFF2-40B4-BE49-F238E27FC236}">
-                <a16:creationId xmlns:a16="http://schemas.microsoft.com/office/drawing/2014/main" id="{C5200AD6-305D-F1F1-8558-76B300991D32}"/>
-              </a:ext>
-            </a:extLst>
-          </p:cNvPr>
-          <p:cNvSpPr>
-            <a:spLocks noGrp="1"/>
-          </p:cNvSpPr>
-          <p:nvPr>
-            <p:ph type="subTitle" idx="1"/>
-          </p:nvPr>
-        </p:nvSpPr>
-        <p:spPr>
-          <a:xfrm>
-            <a:off x="599110" y="1113311"/>
-            <a:ext cx="9906000" cy="4023360"/>
-          </a:xfrm>
-        </p:spPr>
-        <p:txBody>
-          <a:bodyPr/>
-          <a:lstStyle/>
-          <a:p>
-            <a:pPr marL="342900" indent="-342900" algn="l">
-              <a:buFontTx/>
-              <a:buChar char="-"/>
-            </a:pPr>
-            <a:r>
-              <a:rPr lang="en-US"/>
-              <a:t>Demo live</a:t>
-            </a:r>
-            <a:endParaRPr lang="fr-FR" sz="2400" dirty="0"/>
-          </a:p>
-        </p:txBody>
-      </p:sp>
-      <p:sp>
-        <p:nvSpPr>
           <p:cNvPr id="3" name="Titre 1">
             <a:extLst>
               <a:ext uri="{FF2B5EF4-FFF2-40B4-BE49-F238E27FC236}">
@@ -5055,9 +6039,156 @@
             <a:pPr algn="l"/>
             <a:r>
               <a:rPr lang="fr-FR" sz="3600" b="1" u="sng"/>
-              <a:t>5C. Demo Power BI</a:t>
+              <a:t>7. Data Viz avec Power BI (démo)</a:t>
             </a:r>
             <a:endParaRPr lang="fr-FR" sz="3600" b="1" u="sng" dirty="0"/>
+          </a:p>
+        </p:txBody>
+      </p:sp>
+      <p:pic>
+        <p:nvPicPr>
+          <p:cNvPr id="11" name="Image 10">
+            <a:extLst>
+              <a:ext uri="{FF2B5EF4-FFF2-40B4-BE49-F238E27FC236}">
+                <a16:creationId xmlns:a16="http://schemas.microsoft.com/office/drawing/2014/main" id="{E8FDC8F2-AB68-3D02-6ADC-2202354E8795}"/>
+              </a:ext>
+            </a:extLst>
+          </p:cNvPr>
+          <p:cNvPicPr>
+            <a:picLocks noChangeAspect="1"/>
+          </p:cNvPicPr>
+          <p:nvPr/>
+        </p:nvPicPr>
+        <p:blipFill>
+          <a:blip r:embed="rId2"/>
+          <a:stretch>
+            <a:fillRect/>
+          </a:stretch>
+        </p:blipFill>
+        <p:spPr>
+          <a:xfrm>
+            <a:off x="360423" y="1005840"/>
+            <a:ext cx="11494809" cy="5636817"/>
+          </a:xfrm>
+          <a:prstGeom prst="rect">
+            <a:avLst/>
+          </a:prstGeom>
+          <a:ln>
+            <a:solidFill>
+              <a:schemeClr val="tx1"/>
+            </a:solidFill>
+          </a:ln>
+        </p:spPr>
+      </p:pic>
+      <p:sp>
+        <p:nvSpPr>
+          <p:cNvPr id="15" name="Rectangle 14">
+            <a:extLst>
+              <a:ext uri="{FF2B5EF4-FFF2-40B4-BE49-F238E27FC236}">
+                <a16:creationId xmlns:a16="http://schemas.microsoft.com/office/drawing/2014/main" id="{4EA7620E-7D6F-37F8-0F2C-70A396CAB6E4}"/>
+              </a:ext>
+            </a:extLst>
+          </p:cNvPr>
+          <p:cNvSpPr/>
+          <p:nvPr/>
+        </p:nvSpPr>
+        <p:spPr>
+          <a:xfrm>
+            <a:off x="1356436" y="2964581"/>
+            <a:ext cx="3023061" cy="1395662"/>
+          </a:xfrm>
+          <a:prstGeom prst="rect">
+            <a:avLst/>
+          </a:prstGeom>
+          <a:blipFill dpi="0" rotWithShape="1">
+            <a:blip r:embed="rId3">
+              <a:alphaModFix amt="40000"/>
+            </a:blip>
+            <a:srcRect/>
+            <a:tile tx="0" ty="0" sx="100000" sy="100000" flip="none" algn="tl"/>
+          </a:blipFill>
+          <a:ln>
+            <a:noFill/>
+          </a:ln>
+        </p:spPr>
+        <p:style>
+          <a:lnRef idx="2">
+            <a:schemeClr val="accent1">
+              <a:shade val="15000"/>
+            </a:schemeClr>
+          </a:lnRef>
+          <a:fillRef idx="1">
+            <a:schemeClr val="accent1"/>
+          </a:fillRef>
+          <a:effectRef idx="0">
+            <a:schemeClr val="accent1"/>
+          </a:effectRef>
+          <a:fontRef idx="minor">
+            <a:schemeClr val="lt1"/>
+          </a:fontRef>
+        </p:style>
+        <p:txBody>
+          <a:bodyPr rtlCol="0" anchor="ctr"/>
+          <a:lstStyle/>
+          <a:p>
+            <a:pPr algn="ctr"/>
+            <a:endParaRPr lang="fr-FR"/>
+          </a:p>
+        </p:txBody>
+      </p:sp>
+      <p:sp>
+        <p:nvSpPr>
+          <p:cNvPr id="16" name="Rectangle 15">
+            <a:extLst>
+              <a:ext uri="{FF2B5EF4-FFF2-40B4-BE49-F238E27FC236}">
+                <a16:creationId xmlns:a16="http://schemas.microsoft.com/office/drawing/2014/main" id="{E0D5273B-491C-4CEE-1768-FC194C8B21DB}"/>
+              </a:ext>
+            </a:extLst>
+          </p:cNvPr>
+          <p:cNvSpPr/>
+          <p:nvPr/>
+        </p:nvSpPr>
+        <p:spPr>
+          <a:xfrm>
+            <a:off x="2483318" y="4360243"/>
+            <a:ext cx="1896182" cy="2282414"/>
+          </a:xfrm>
+          <a:prstGeom prst="rect">
+            <a:avLst/>
+          </a:prstGeom>
+          <a:blipFill dpi="0" rotWithShape="1">
+            <a:blip r:embed="rId3">
+              <a:alphaModFix amt="40000"/>
+            </a:blip>
+            <a:srcRect/>
+            <a:tile tx="0" ty="0" sx="100000" sy="100000" flip="none" algn="tl"/>
+          </a:blipFill>
+          <a:ln>
+            <a:noFill/>
+          </a:ln>
+        </p:spPr>
+        <p:style>
+          <a:lnRef idx="2">
+            <a:schemeClr val="accent1">
+              <a:shade val="15000"/>
+            </a:schemeClr>
+          </a:lnRef>
+          <a:fillRef idx="1">
+            <a:schemeClr val="accent1"/>
+          </a:fillRef>
+          <a:effectRef idx="0">
+            <a:schemeClr val="accent1"/>
+          </a:effectRef>
+          <a:fontRef idx="minor">
+            <a:schemeClr val="lt1"/>
+          </a:fontRef>
+        </p:style>
+        <p:txBody>
+          <a:bodyPr rtlCol="0" anchor="ctr"/>
+          <a:lstStyle/>
+          <a:p>
+            <a:pPr algn="ctr"/>
+            <a:endParaRPr lang="fr-FR"/>
           </a:p>
         </p:txBody>
       </p:sp>
@@ -5071,6 +6202,128 @@
   <p:clrMapOvr>
     <a:masterClrMapping/>
   </p:clrMapOvr>
+  <p:timing>
+    <p:tnLst>
+      <p:par>
+        <p:cTn id="1" dur="indefinite" restart="never" nodeType="tmRoot">
+          <p:childTnLst>
+            <p:seq concurrent="1" nextAc="seek">
+              <p:cTn id="2" dur="indefinite" nodeType="mainSeq">
+                <p:childTnLst>
+                  <p:par>
+                    <p:cTn id="3" fill="hold">
+                      <p:stCondLst>
+                        <p:cond delay="indefinite"/>
+                      </p:stCondLst>
+                      <p:childTnLst>
+                        <p:par>
+                          <p:cTn id="4" fill="hold">
+                            <p:stCondLst>
+                              <p:cond delay="0"/>
+                            </p:stCondLst>
+                            <p:childTnLst>
+                              <p:par>
+                                <p:cTn id="5" presetID="10" presetClass="entr" presetSubtype="0" fill="hold" grpId="0" nodeType="clickEffect">
+                                  <p:stCondLst>
+                                    <p:cond delay="0"/>
+                                  </p:stCondLst>
+                                  <p:childTnLst>
+                                    <p:set>
+                                      <p:cBhvr>
+                                        <p:cTn id="6" dur="1" fill="hold">
+                                          <p:stCondLst>
+                                            <p:cond delay="0"/>
+                                          </p:stCondLst>
+                                        </p:cTn>
+                                        <p:tgtEl>
+                                          <p:spTgt spid="15"/>
+                                        </p:tgtEl>
+                                        <p:attrNameLst>
+                                          <p:attrName>style.visibility</p:attrName>
+                                        </p:attrNameLst>
+                                      </p:cBhvr>
+                                      <p:to>
+                                        <p:strVal val="visible"/>
+                                      </p:to>
+                                    </p:set>
+                                    <p:animEffect transition="in" filter="fade">
+                                      <p:cBhvr>
+                                        <p:cTn id="7" dur="500"/>
+                                        <p:tgtEl>
+                                          <p:spTgt spid="15"/>
+                                        </p:tgtEl>
+                                      </p:cBhvr>
+                                    </p:animEffect>
+                                  </p:childTnLst>
+                                </p:cTn>
+                              </p:par>
+                              <p:par>
+                                <p:cTn id="8" presetID="10" presetClass="entr" presetSubtype="0" fill="hold" grpId="0" nodeType="withEffect">
+                                  <p:stCondLst>
+                                    <p:cond delay="0"/>
+                                  </p:stCondLst>
+                                  <p:childTnLst>
+                                    <p:set>
+                                      <p:cBhvr>
+                                        <p:cTn id="9" dur="1" fill="hold">
+                                          <p:stCondLst>
+                                            <p:cond delay="0"/>
+                                          </p:stCondLst>
+                                        </p:cTn>
+                                        <p:tgtEl>
+                                          <p:spTgt spid="16"/>
+                                        </p:tgtEl>
+                                        <p:attrNameLst>
+                                          <p:attrName>style.visibility</p:attrName>
+                                        </p:attrNameLst>
+                                      </p:cBhvr>
+                                      <p:to>
+                                        <p:strVal val="visible"/>
+                                      </p:to>
+                                    </p:set>
+                                    <p:animEffect transition="in" filter="fade">
+                                      <p:cBhvr>
+                                        <p:cTn id="10" dur="500"/>
+                                        <p:tgtEl>
+                                          <p:spTgt spid="16"/>
+                                        </p:tgtEl>
+                                      </p:cBhvr>
+                                    </p:animEffect>
+                                  </p:childTnLst>
+                                </p:cTn>
+                              </p:par>
+                            </p:childTnLst>
+                          </p:cTn>
+                        </p:par>
+                      </p:childTnLst>
+                    </p:cTn>
+                  </p:par>
+                </p:childTnLst>
+              </p:cTn>
+              <p:prevCondLst>
+                <p:cond evt="onPrev" delay="0">
+                  <p:tgtEl>
+                    <p:sldTgt/>
+                  </p:tgtEl>
+                </p:cond>
+              </p:prevCondLst>
+              <p:nextCondLst>
+                <p:cond evt="onNext" delay="0">
+                  <p:tgtEl>
+                    <p:sldTgt/>
+                  </p:tgtEl>
+                </p:cond>
+              </p:nextCondLst>
+            </p:seq>
+          </p:childTnLst>
+        </p:cTn>
+      </p:par>
+    </p:tnLst>
+    <p:bldLst>
+      <p:bldP spid="15" grpId="0" animBg="1"/>
+      <p:bldP spid="16" grpId="0" animBg="1"/>
+    </p:bldLst>
+  </p:timing>
 </p:sld>
 </file>
 
